--- a/Spec/FHIR-BeginnerDevGuide.pptx
+++ b/Spec/FHIR-BeginnerDevGuide.pptx
@@ -221,7 +221,7 @@
           <a:p>
             <a:fld id="{63A0C4D1-671C-4261-8517-51F04ECBC99E}" type="datetimeFigureOut">
               <a:rPr lang="zh-TW" altLang="en-US" smtClean="0"/>
-              <a:t>2019/10/7</a:t>
+              <a:t>2019/12/4</a:t>
             </a:fld>
             <a:endParaRPr lang="zh-TW" altLang="en-US"/>
           </a:p>
@@ -1743,7 +1743,7 @@
           <a:p>
             <a:fld id="{481A3301-3204-5541-A90F-129CF5D78E71}" type="datetimeFigureOut">
               <a:rPr kumimoji="1" lang="zh-TW" altLang="en-US" smtClean="0"/>
-              <a:t>2019/10/7</a:t>
+              <a:t>2019/12/4</a:t>
             </a:fld>
             <a:endParaRPr kumimoji="1" lang="zh-TW" altLang="en-US"/>
           </a:p>
@@ -1913,7 +1913,7 @@
           <a:p>
             <a:fld id="{481A3301-3204-5541-A90F-129CF5D78E71}" type="datetimeFigureOut">
               <a:rPr kumimoji="1" lang="zh-TW" altLang="en-US" smtClean="0"/>
-              <a:t>2019/10/7</a:t>
+              <a:t>2019/12/4</a:t>
             </a:fld>
             <a:endParaRPr kumimoji="1" lang="zh-TW" altLang="en-US"/>
           </a:p>
@@ -2093,7 +2093,7 @@
           <a:p>
             <a:fld id="{481A3301-3204-5541-A90F-129CF5D78E71}" type="datetimeFigureOut">
               <a:rPr kumimoji="1" lang="zh-TW" altLang="en-US" smtClean="0"/>
-              <a:t>2019/10/7</a:t>
+              <a:t>2019/12/4</a:t>
             </a:fld>
             <a:endParaRPr kumimoji="1" lang="zh-TW" altLang="en-US"/>
           </a:p>
@@ -2263,7 +2263,7 @@
           <a:p>
             <a:fld id="{481A3301-3204-5541-A90F-129CF5D78E71}" type="datetimeFigureOut">
               <a:rPr kumimoji="1" lang="zh-TW" altLang="en-US" smtClean="0"/>
-              <a:t>2019/10/7</a:t>
+              <a:t>2019/12/4</a:t>
             </a:fld>
             <a:endParaRPr kumimoji="1" lang="zh-TW" altLang="en-US"/>
           </a:p>
@@ -2509,7 +2509,7 @@
           <a:p>
             <a:fld id="{481A3301-3204-5541-A90F-129CF5D78E71}" type="datetimeFigureOut">
               <a:rPr kumimoji="1" lang="zh-TW" altLang="en-US" smtClean="0"/>
-              <a:t>2019/10/7</a:t>
+              <a:t>2019/12/4</a:t>
             </a:fld>
             <a:endParaRPr kumimoji="1" lang="zh-TW" altLang="en-US"/>
           </a:p>
@@ -2797,7 +2797,7 @@
           <a:p>
             <a:fld id="{481A3301-3204-5541-A90F-129CF5D78E71}" type="datetimeFigureOut">
               <a:rPr kumimoji="1" lang="zh-TW" altLang="en-US" smtClean="0"/>
-              <a:t>2019/10/7</a:t>
+              <a:t>2019/12/4</a:t>
             </a:fld>
             <a:endParaRPr kumimoji="1" lang="zh-TW" altLang="en-US"/>
           </a:p>
@@ -3219,7 +3219,7 @@
           <a:p>
             <a:fld id="{481A3301-3204-5541-A90F-129CF5D78E71}" type="datetimeFigureOut">
               <a:rPr kumimoji="1" lang="zh-TW" altLang="en-US" smtClean="0"/>
-              <a:t>2019/10/7</a:t>
+              <a:t>2019/12/4</a:t>
             </a:fld>
             <a:endParaRPr kumimoji="1" lang="zh-TW" altLang="en-US"/>
           </a:p>
@@ -3337,7 +3337,7 @@
           <a:p>
             <a:fld id="{481A3301-3204-5541-A90F-129CF5D78E71}" type="datetimeFigureOut">
               <a:rPr kumimoji="1" lang="zh-TW" altLang="en-US" smtClean="0"/>
-              <a:t>2019/10/7</a:t>
+              <a:t>2019/12/4</a:t>
             </a:fld>
             <a:endParaRPr kumimoji="1" lang="zh-TW" altLang="en-US"/>
           </a:p>
@@ -3432,7 +3432,7 @@
           <a:p>
             <a:fld id="{481A3301-3204-5541-A90F-129CF5D78E71}" type="datetimeFigureOut">
               <a:rPr kumimoji="1" lang="zh-TW" altLang="en-US" smtClean="0"/>
-              <a:t>2019/10/7</a:t>
+              <a:t>2019/12/4</a:t>
             </a:fld>
             <a:endParaRPr kumimoji="1" lang="zh-TW" altLang="en-US"/>
           </a:p>
@@ -3709,7 +3709,7 @@
           <a:p>
             <a:fld id="{481A3301-3204-5541-A90F-129CF5D78E71}" type="datetimeFigureOut">
               <a:rPr kumimoji="1" lang="zh-TW" altLang="en-US" smtClean="0"/>
-              <a:t>2019/10/7</a:t>
+              <a:t>2019/12/4</a:t>
             </a:fld>
             <a:endParaRPr kumimoji="1" lang="zh-TW" altLang="en-US"/>
           </a:p>
@@ -3962,7 +3962,7 @@
           <a:p>
             <a:fld id="{481A3301-3204-5541-A90F-129CF5D78E71}" type="datetimeFigureOut">
               <a:rPr kumimoji="1" lang="zh-TW" altLang="en-US" smtClean="0"/>
-              <a:t>2019/10/7</a:t>
+              <a:t>2019/12/4</a:t>
             </a:fld>
             <a:endParaRPr kumimoji="1" lang="zh-TW" altLang="en-US"/>
           </a:p>
@@ -4175,7 +4175,7 @@
           <a:p>
             <a:fld id="{481A3301-3204-5541-A90F-129CF5D78E71}" type="datetimeFigureOut">
               <a:rPr kumimoji="1" lang="zh-TW" altLang="en-US" smtClean="0"/>
-              <a:t>2019/10/7</a:t>
+              <a:t>2019/12/4</a:t>
             </a:fld>
             <a:endParaRPr kumimoji="1" lang="zh-TW" altLang="en-US"/>
           </a:p>
@@ -5001,11 +5001,7 @@
             </a:r>
             <a:r>
               <a:rPr lang="en-US" altLang="zh-TW" sz="2700" dirty="0"/>
-              <a:t> </a:t>
-            </a:r>
-            <a:r>
-              <a:rPr lang="en-US" altLang="zh-TW" sz="2700" dirty="0"/>
-              <a:t>committee</a:t>
+              <a:t> committee</a:t>
             </a:r>
             <a:r>
               <a:rPr lang="zh-TW" altLang="en-US" sz="2700" dirty="0"/>
@@ -5033,15 +5029,7 @@
                   <a:srgbClr val="FF0000"/>
                 </a:solidFill>
               </a:rPr>
-              <a:t>配合標準推行，布局</a:t>
-            </a:r>
-            <a:r>
-              <a:rPr lang="zh-TW" altLang="en-US" sz="2700" b="1" dirty="0">
-                <a:solidFill>
-                  <a:srgbClr val="FF0000"/>
-                </a:solidFill>
-              </a:rPr>
-              <a:t>發展</a:t>
+              <a:t>配合標準推行，布局發展</a:t>
             </a:r>
             <a:r>
               <a:rPr lang="zh-TW" altLang="en-US" sz="2700" dirty="0"/>
@@ -5380,13 +5368,7 @@
               <a:rPr lang="zh-TW" altLang="en-US" sz="2550" dirty="0">
                 <a:latin typeface="+mn-ea"/>
               </a:rPr>
-              <a:t>專業</a:t>
-            </a:r>
-            <a:r>
-              <a:rPr lang="zh-TW" altLang="en-US" sz="2550" dirty="0">
-                <a:latin typeface="+mn-ea"/>
-              </a:rPr>
-              <a:t>健康醫療資訊化需求非常多，但建構指引 </a:t>
+              <a:t>專業健康醫療資訊化需求非常多，但建構指引 </a:t>
             </a:r>
             <a:r>
               <a:rPr lang="en-US" altLang="zh-TW" sz="2550" dirty="0">
@@ -5413,13 +5395,7 @@
               <a:rPr lang="zh-TW" altLang="en-US" sz="2550" b="1" dirty="0">
                 <a:latin typeface="+mn-ea"/>
               </a:rPr>
-              <a:t>訂立各專業</a:t>
-            </a:r>
-            <a:r>
-              <a:rPr lang="zh-TW" altLang="en-US" sz="2550" b="1" dirty="0">
-                <a:latin typeface="+mn-ea"/>
-              </a:rPr>
-              <a:t>系統</a:t>
+              <a:t>訂立各專業系統</a:t>
             </a:r>
             <a:r>
               <a:rPr lang="zh-TW" altLang="en-US" sz="2550" b="1" dirty="0">
@@ -5428,25 +5404,7 @@
                 </a:solidFill>
                 <a:latin typeface="+mn-ea"/>
               </a:rPr>
-              <a:t>多國語言建</a:t>
-            </a:r>
-            <a:r>
-              <a:rPr lang="zh-TW" altLang="en-US" sz="2550" b="1" dirty="0">
-                <a:solidFill>
-                  <a:srgbClr val="FF0000"/>
-                </a:solidFill>
-                <a:latin typeface="+mn-ea"/>
-              </a:rPr>
-              <a:t>構</a:t>
-            </a:r>
-            <a:r>
-              <a:rPr lang="zh-TW" altLang="en-US" sz="2550" b="1" dirty="0">
-                <a:solidFill>
-                  <a:srgbClr val="FF0000"/>
-                </a:solidFill>
-                <a:latin typeface="+mn-ea"/>
-              </a:rPr>
-              <a:t>指引</a:t>
+              <a:t>多國語言建構指引</a:t>
             </a:r>
             <a:endParaRPr lang="en-US" altLang="zh-TW" sz="2550" b="1" dirty="0">
               <a:solidFill>
@@ -5463,9 +5421,6 @@
               </a:rPr>
               <a:t>以此搭配推行標準化系統</a:t>
             </a:r>
-            <a:endParaRPr lang="zh-TW" altLang="en-US" sz="2400" b="1" dirty="0">
-              <a:latin typeface="+mn-ea"/>
-            </a:endParaRPr>
           </a:p>
           <a:p>
             <a:r>
@@ -5484,13 +5439,7 @@
               <a:rPr lang="zh-TW" altLang="en-US" sz="2550" dirty="0">
                 <a:latin typeface="+mn-ea"/>
               </a:rPr>
-              <a:t>台灣醫療</a:t>
-            </a:r>
-            <a:r>
-              <a:rPr lang="zh-TW" altLang="en-US" sz="2550" dirty="0">
-                <a:latin typeface="+mn-ea"/>
-              </a:rPr>
-              <a:t>、</a:t>
+              <a:t>台灣醫療、</a:t>
             </a:r>
             <a:r>
               <a:rPr lang="en-US" altLang="zh-TW" sz="2550" dirty="0">
@@ -5502,28 +5451,16 @@
               <a:rPr lang="zh-TW" altLang="en-US" sz="2550" dirty="0">
                 <a:latin typeface="+mn-ea"/>
               </a:rPr>
-              <a:t>領域先進，</a:t>
-            </a:r>
+              <a:t>領域先進，系統發展經驗豐富</a:t>
+            </a:r>
+          </a:p>
+          <a:p>
+            <a:pPr lvl="1"/>
             <a:r>
               <a:rPr lang="zh-TW" altLang="en-US" sz="2550" dirty="0">
                 <a:latin typeface="+mn-ea"/>
               </a:rPr>
-              <a:t>系統發展經驗豐富</a:t>
-            </a:r>
-          </a:p>
-          <a:p>
-            <a:pPr lvl="1"/>
-            <a:r>
-              <a:rPr lang="zh-TW" altLang="en-US" sz="2550" dirty="0">
-                <a:latin typeface="+mn-ea"/>
-              </a:rPr>
-              <a:t>地區小、交流越密集，標準發展速度可更</a:t>
-            </a:r>
-            <a:r>
-              <a:rPr lang="zh-TW" altLang="en-US" sz="2550" dirty="0">
-                <a:latin typeface="+mn-ea"/>
-              </a:rPr>
-              <a:t>快</a:t>
+              <a:t>地區小、交流越密集，標準發展速度可更快</a:t>
             </a:r>
             <a:endParaRPr lang="en-US" altLang="zh-TW" sz="2550" dirty="0">
               <a:latin typeface="+mn-ea"/>
@@ -5651,10 +5588,6 @@
               </a:rPr>
               <a:t>機會與優勢</a:t>
             </a:r>
-            <a:endParaRPr lang="zh-TW" altLang="en-US" sz="3600" dirty="0">
-              <a:latin typeface="標楷體" panose="03000509000000000000" pitchFamily="65" charset="-120"/>
-              <a:ea typeface="標楷體" panose="03000509000000000000" pitchFamily="65" charset="-120"/>
-            </a:endParaRPr>
           </a:p>
         </p:txBody>
       </p:sp>
